--- a/Lectures/HOW TO WRITE THE GOOD CODE.pptx
+++ b/Lectures/HOW TO WRITE THE GOOD CODE.pptx
@@ -23,26 +23,28 @@
     <p:sldId id="273" r:id="rId17"/>
     <p:sldId id="272" r:id="rId18"/>
     <p:sldId id="275" r:id="rId19"/>
-    <p:sldId id="276" r:id="rId20"/>
-    <p:sldId id="277" r:id="rId21"/>
-    <p:sldId id="278" r:id="rId22"/>
-    <p:sldId id="280" r:id="rId23"/>
-    <p:sldId id="281" r:id="rId24"/>
-    <p:sldId id="282" r:id="rId25"/>
-    <p:sldId id="283" r:id="rId26"/>
-    <p:sldId id="279" r:id="rId27"/>
-    <p:sldId id="284" r:id="rId28"/>
-    <p:sldId id="285" r:id="rId29"/>
-    <p:sldId id="286" r:id="rId30"/>
-    <p:sldId id="287" r:id="rId31"/>
-    <p:sldId id="288" r:id="rId32"/>
-    <p:sldId id="290" r:id="rId33"/>
-    <p:sldId id="291" r:id="rId34"/>
-    <p:sldId id="292" r:id="rId35"/>
-    <p:sldId id="293" r:id="rId36"/>
-    <p:sldId id="295" r:id="rId37"/>
-    <p:sldId id="294" r:id="rId38"/>
-    <p:sldId id="297" r:id="rId39"/>
+    <p:sldId id="301" r:id="rId20"/>
+    <p:sldId id="302" r:id="rId21"/>
+    <p:sldId id="276" r:id="rId22"/>
+    <p:sldId id="277" r:id="rId23"/>
+    <p:sldId id="278" r:id="rId24"/>
+    <p:sldId id="280" r:id="rId25"/>
+    <p:sldId id="281" r:id="rId26"/>
+    <p:sldId id="282" r:id="rId27"/>
+    <p:sldId id="283" r:id="rId28"/>
+    <p:sldId id="279" r:id="rId29"/>
+    <p:sldId id="284" r:id="rId30"/>
+    <p:sldId id="285" r:id="rId31"/>
+    <p:sldId id="286" r:id="rId32"/>
+    <p:sldId id="287" r:id="rId33"/>
+    <p:sldId id="288" r:id="rId34"/>
+    <p:sldId id="290" r:id="rId35"/>
+    <p:sldId id="291" r:id="rId36"/>
+    <p:sldId id="292" r:id="rId37"/>
+    <p:sldId id="293" r:id="rId38"/>
+    <p:sldId id="295" r:id="rId39"/>
+    <p:sldId id="294" r:id="rId40"/>
+    <p:sldId id="297" r:id="rId41"/>
   </p:sldIdLst>
   <p:sldSz cx="12192000" cy="6858000"/>
   <p:notesSz cx="6858000" cy="9144000"/>
@@ -141,6 +143,11 @@
       </a:defRPr>
     </a:lvl9pPr>
   </p:defaultTextStyle>
+  <p:extLst>
+    <p:ext uri="{EFAFB233-063F-42B5-8137-9DF3F51BA10A}">
+      <p15:sldGuideLst xmlns:p15="http://schemas.microsoft.com/office/powerpoint/2012/main"/>
+    </p:ext>
+  </p:extLst>
 </p:presentation>
 </file>
 
@@ -291,7 +298,7 @@
           <a:p>
             <a:fld id="{F6454803-B21B-495A-A430-5801E0AB93FA}" type="datetimeFigureOut">
               <a:rPr lang="en-US" smtClean="0"/>
-              <a:t>10/9/2019</a:t>
+              <a:t>12/23/2020</a:t>
             </a:fld>
             <a:endParaRPr lang="en-US"/>
           </a:p>
@@ -489,7 +496,7 @@
           <a:p>
             <a:fld id="{F6454803-B21B-495A-A430-5801E0AB93FA}" type="datetimeFigureOut">
               <a:rPr lang="en-US" smtClean="0"/>
-              <a:t>10/9/2019</a:t>
+              <a:t>12/23/2020</a:t>
             </a:fld>
             <a:endParaRPr lang="en-US"/>
           </a:p>
@@ -697,7 +704,7 @@
           <a:p>
             <a:fld id="{F6454803-B21B-495A-A430-5801E0AB93FA}" type="datetimeFigureOut">
               <a:rPr lang="en-US" smtClean="0"/>
-              <a:t>10/9/2019</a:t>
+              <a:t>12/23/2020</a:t>
             </a:fld>
             <a:endParaRPr lang="en-US"/>
           </a:p>
@@ -895,7 +902,7 @@
           <a:p>
             <a:fld id="{F6454803-B21B-495A-A430-5801E0AB93FA}" type="datetimeFigureOut">
               <a:rPr lang="en-US" smtClean="0"/>
-              <a:t>10/9/2019</a:t>
+              <a:t>12/23/2020</a:t>
             </a:fld>
             <a:endParaRPr lang="en-US"/>
           </a:p>
@@ -1170,7 +1177,7 @@
           <a:p>
             <a:fld id="{F6454803-B21B-495A-A430-5801E0AB93FA}" type="datetimeFigureOut">
               <a:rPr lang="en-US" smtClean="0"/>
-              <a:t>10/9/2019</a:t>
+              <a:t>12/23/2020</a:t>
             </a:fld>
             <a:endParaRPr lang="en-US"/>
           </a:p>
@@ -1435,7 +1442,7 @@
           <a:p>
             <a:fld id="{F6454803-B21B-495A-A430-5801E0AB93FA}" type="datetimeFigureOut">
               <a:rPr lang="en-US" smtClean="0"/>
-              <a:t>10/9/2019</a:t>
+              <a:t>12/23/2020</a:t>
             </a:fld>
             <a:endParaRPr lang="en-US"/>
           </a:p>
@@ -1847,7 +1854,7 @@
           <a:p>
             <a:fld id="{F6454803-B21B-495A-A430-5801E0AB93FA}" type="datetimeFigureOut">
               <a:rPr lang="en-US" smtClean="0"/>
-              <a:t>10/9/2019</a:t>
+              <a:t>12/23/2020</a:t>
             </a:fld>
             <a:endParaRPr lang="en-US"/>
           </a:p>
@@ -1988,7 +1995,7 @@
           <a:p>
             <a:fld id="{F6454803-B21B-495A-A430-5801E0AB93FA}" type="datetimeFigureOut">
               <a:rPr lang="en-US" smtClean="0"/>
-              <a:t>10/9/2019</a:t>
+              <a:t>12/23/2020</a:t>
             </a:fld>
             <a:endParaRPr lang="en-US"/>
           </a:p>
@@ -2101,7 +2108,7 @@
           <a:p>
             <a:fld id="{F6454803-B21B-495A-A430-5801E0AB93FA}" type="datetimeFigureOut">
               <a:rPr lang="en-US" smtClean="0"/>
-              <a:t>10/9/2019</a:t>
+              <a:t>12/23/2020</a:t>
             </a:fld>
             <a:endParaRPr lang="en-US"/>
           </a:p>
@@ -2412,7 +2419,7 @@
           <a:p>
             <a:fld id="{F6454803-B21B-495A-A430-5801E0AB93FA}" type="datetimeFigureOut">
               <a:rPr lang="en-US" smtClean="0"/>
-              <a:t>10/9/2019</a:t>
+              <a:t>12/23/2020</a:t>
             </a:fld>
             <a:endParaRPr lang="en-US"/>
           </a:p>
@@ -2700,7 +2707,7 @@
           <a:p>
             <a:fld id="{F6454803-B21B-495A-A430-5801E0AB93FA}" type="datetimeFigureOut">
               <a:rPr lang="en-US" smtClean="0"/>
-              <a:t>10/9/2019</a:t>
+              <a:t>12/23/2020</a:t>
             </a:fld>
             <a:endParaRPr lang="en-US"/>
           </a:p>
@@ -2941,7 +2948,7 @@
           <a:p>
             <a:fld id="{F6454803-B21B-495A-A430-5801E0AB93FA}" type="datetimeFigureOut">
               <a:rPr lang="en-US" smtClean="0"/>
-              <a:t>10/9/2019</a:t>
+              <a:t>12/23/2020</a:t>
             </a:fld>
             <a:endParaRPr lang="en-US"/>
           </a:p>
@@ -4644,6 +4651,130 @@
   <p:clrMapOvr>
     <a:masterClrMapping/>
   </p:clrMapOvr>
+  <p:timing>
+    <p:tnLst>
+      <p:par>
+        <p:cTn id="1" dur="indefinite" restart="never" nodeType="tmRoot">
+          <p:childTnLst>
+            <p:seq concurrent="1" nextAc="seek">
+              <p:cTn id="2" dur="indefinite" nodeType="mainSeq">
+                <p:childTnLst>
+                  <p:par>
+                    <p:cTn id="3" fill="hold">
+                      <p:stCondLst>
+                        <p:cond delay="indefinite"/>
+                      </p:stCondLst>
+                      <p:childTnLst>
+                        <p:par>
+                          <p:cTn id="4" fill="hold">
+                            <p:stCondLst>
+                              <p:cond delay="0"/>
+                            </p:stCondLst>
+                            <p:childTnLst>
+                              <p:par>
+                                <p:cTn id="5" presetID="1" presetClass="entr" presetSubtype="0" fill="hold" grpId="0" nodeType="clickEffect">
+                                  <p:stCondLst>
+                                    <p:cond delay="0"/>
+                                  </p:stCondLst>
+                                  <p:childTnLst>
+                                    <p:set>
+                                      <p:cBhvr>
+                                        <p:cTn id="6" dur="1" fill="hold">
+                                          <p:stCondLst>
+                                            <p:cond delay="0"/>
+                                          </p:stCondLst>
+                                        </p:cTn>
+                                        <p:tgtEl>
+                                          <p:spTgt spid="4"/>
+                                        </p:tgtEl>
+                                        <p:attrNameLst>
+                                          <p:attrName>style.visibility</p:attrName>
+                                        </p:attrNameLst>
+                                      </p:cBhvr>
+                                      <p:to>
+                                        <p:strVal val="visible"/>
+                                      </p:to>
+                                    </p:set>
+                                  </p:childTnLst>
+                                </p:cTn>
+                              </p:par>
+                            </p:childTnLst>
+                          </p:cTn>
+                        </p:par>
+                      </p:childTnLst>
+                    </p:cTn>
+                  </p:par>
+                  <p:par>
+                    <p:cTn id="7" fill="hold">
+                      <p:stCondLst>
+                        <p:cond delay="indefinite"/>
+                      </p:stCondLst>
+                      <p:childTnLst>
+                        <p:par>
+                          <p:cTn id="8" fill="hold">
+                            <p:stCondLst>
+                              <p:cond delay="0"/>
+                            </p:stCondLst>
+                            <p:childTnLst>
+                              <p:par>
+                                <p:cTn id="9" presetID="1" presetClass="entr" presetSubtype="0" fill="hold" grpId="0" nodeType="clickEffect">
+                                  <p:stCondLst>
+                                    <p:cond delay="0"/>
+                                  </p:stCondLst>
+                                  <p:childTnLst>
+                                    <p:set>
+                                      <p:cBhvr>
+                                        <p:cTn id="10" dur="1" fill="hold">
+                                          <p:stCondLst>
+                                            <p:cond delay="0"/>
+                                          </p:stCondLst>
+                                        </p:cTn>
+                                        <p:tgtEl>
+                                          <p:spTgt spid="5"/>
+                                        </p:tgtEl>
+                                        <p:attrNameLst>
+                                          <p:attrName>style.visibility</p:attrName>
+                                        </p:attrNameLst>
+                                      </p:cBhvr>
+                                      <p:to>
+                                        <p:strVal val="visible"/>
+                                      </p:to>
+                                    </p:set>
+                                  </p:childTnLst>
+                                </p:cTn>
+                              </p:par>
+                            </p:childTnLst>
+                          </p:cTn>
+                        </p:par>
+                      </p:childTnLst>
+                    </p:cTn>
+                  </p:par>
+                </p:childTnLst>
+              </p:cTn>
+              <p:prevCondLst>
+                <p:cond evt="onPrev" delay="0">
+                  <p:tgtEl>
+                    <p:sldTgt/>
+                  </p:tgtEl>
+                </p:cond>
+              </p:prevCondLst>
+              <p:nextCondLst>
+                <p:cond evt="onNext" delay="0">
+                  <p:tgtEl>
+                    <p:sldTgt/>
+                  </p:tgtEl>
+                </p:cond>
+              </p:nextCondLst>
+            </p:seq>
+          </p:childTnLst>
+        </p:cTn>
+      </p:par>
+    </p:tnLst>
+    <p:bldLst>
+      <p:bldP spid="4" grpId="0"/>
+      <p:bldP spid="5" grpId="0"/>
+    </p:bldLst>
+  </p:timing>
 </p:sld>
 </file>
 
@@ -8112,10 +8243,10 @@
       </p:grpSpPr>
       <p:sp>
         <p:nvSpPr>
-          <p:cNvPr id="2" name="Rectangle 1">
+          <p:cNvPr id="6" name="Rectangle 5">
             <a:extLst>
               <a:ext uri="{FF2B5EF4-FFF2-40B4-BE49-F238E27FC236}">
-                <a16:creationId xmlns:a16="http://schemas.microsoft.com/office/drawing/2014/main" id="{664DB5DA-95A8-4104-B84B-DB250FD5F7BC}"/>
+                <a16:creationId xmlns:a16="http://schemas.microsoft.com/office/drawing/2014/main" id="{3A41DAE8-3B13-4F21-AFAF-5F4954A78A09}"/>
               </a:ext>
             </a:extLst>
           </p:cNvPr>
@@ -8124,15 +8255,15 @@
         </p:nvSpPr>
         <p:spPr>
           <a:xfrm>
-            <a:off x="1824638" y="3105834"/>
-            <a:ext cx="8542723" cy="646331"/>
+            <a:off x="609600" y="2551837"/>
+            <a:ext cx="10972799" cy="1754326"/>
           </a:xfrm>
           <a:prstGeom prst="rect">
             <a:avLst/>
           </a:prstGeom>
         </p:spPr>
         <p:txBody>
-          <a:bodyPr wrap="none">
+          <a:bodyPr wrap="square">
             <a:spAutoFit/>
           </a:bodyPr>
           <a:lstStyle/>
@@ -8145,7 +8276,7 @@
                 </a:solidFill>
                 <a:latin typeface="Consolas" panose="020B0609020204030204" pitchFamily="49" charset="0"/>
               </a:rPr>
-              <a:t>Big ball of mud != Easy to change</a:t>
+              <a:t>Low coupling</a:t>
             </a:r>
             <a:endParaRPr lang="en-US" sz="3600" b="1" u="sng" dirty="0">
               <a:solidFill>
@@ -8154,12 +8285,39 @@
               <a:latin typeface="Consolas" panose="020B0609020204030204" pitchFamily="49" charset="0"/>
             </a:endParaRPr>
           </a:p>
+          <a:p>
+            <a:pPr algn="ctr"/>
+            <a:endParaRPr lang="en-US" sz="3600" dirty="0">
+              <a:solidFill>
+                <a:schemeClr val="bg1"/>
+              </a:solidFill>
+              <a:latin typeface="Consolas" panose="020B0609020204030204" pitchFamily="49" charset="0"/>
+            </a:endParaRPr>
+          </a:p>
+          <a:p>
+            <a:pPr algn="ctr"/>
+            <a:r>
+              <a:rPr lang="en-US" sz="3600" dirty="0">
+                <a:solidFill>
+                  <a:schemeClr val="bg1"/>
+                </a:solidFill>
+                <a:latin typeface="Consolas" panose="020B0609020204030204" pitchFamily="49" charset="0"/>
+              </a:rPr>
+              <a:t>High cohesion</a:t>
+            </a:r>
+            <a:endParaRPr lang="en-US" sz="3600" b="1" u="sng" dirty="0">
+              <a:solidFill>
+                <a:schemeClr val="bg1"/>
+              </a:solidFill>
+              <a:latin typeface="Consolas" panose="020B0609020204030204" pitchFamily="49" charset="0"/>
+            </a:endParaRPr>
+          </a:p>
         </p:txBody>
       </p:sp>
     </p:spTree>
     <p:extLst>
       <p:ext uri="{BB962C8B-B14F-4D97-AF65-F5344CB8AC3E}">
-        <p14:creationId xmlns:p14="http://schemas.microsoft.com/office/powerpoint/2010/main" val="909348668"/>
+        <p14:creationId xmlns:p14="http://schemas.microsoft.com/office/powerpoint/2010/main" val="3455303973"/>
       </p:ext>
     </p:extLst>
   </p:cSld>
@@ -8292,10 +8450,361 @@
   <p:clrMapOvr>
     <a:masterClrMapping/>
   </p:clrMapOvr>
+  <p:timing>
+    <p:tnLst>
+      <p:par>
+        <p:cTn id="1" dur="indefinite" restart="never" nodeType="tmRoot">
+          <p:childTnLst>
+            <p:seq concurrent="1" nextAc="seek">
+              <p:cTn id="2" dur="indefinite" nodeType="mainSeq">
+                <p:childTnLst>
+                  <p:par>
+                    <p:cTn id="3" fill="hold">
+                      <p:stCondLst>
+                        <p:cond delay="indefinite"/>
+                      </p:stCondLst>
+                      <p:childTnLst>
+                        <p:par>
+                          <p:cTn id="4" fill="hold">
+                            <p:stCondLst>
+                              <p:cond delay="0"/>
+                            </p:stCondLst>
+                            <p:childTnLst>
+                              <p:par>
+                                <p:cTn id="5" presetID="1" presetClass="entr" presetSubtype="0" fill="hold" nodeType="clickEffect">
+                                  <p:stCondLst>
+                                    <p:cond delay="0"/>
+                                  </p:stCondLst>
+                                  <p:childTnLst>
+                                    <p:set>
+                                      <p:cBhvr>
+                                        <p:cTn id="6" dur="1" fill="hold">
+                                          <p:stCondLst>
+                                            <p:cond delay="0"/>
+                                          </p:stCondLst>
+                                        </p:cTn>
+                                        <p:tgtEl>
+                                          <p:spTgt spid="5">
+                                            <p:txEl>
+                                              <p:pRg st="1" end="1"/>
+                                            </p:txEl>
+                                          </p:spTgt>
+                                        </p:tgtEl>
+                                        <p:attrNameLst>
+                                          <p:attrName>style.visibility</p:attrName>
+                                        </p:attrNameLst>
+                                      </p:cBhvr>
+                                      <p:to>
+                                        <p:strVal val="visible"/>
+                                      </p:to>
+                                    </p:set>
+                                  </p:childTnLst>
+                                </p:cTn>
+                              </p:par>
+                            </p:childTnLst>
+                          </p:cTn>
+                        </p:par>
+                      </p:childTnLst>
+                    </p:cTn>
+                  </p:par>
+                  <p:par>
+                    <p:cTn id="7" fill="hold">
+                      <p:stCondLst>
+                        <p:cond delay="indefinite"/>
+                      </p:stCondLst>
+                      <p:childTnLst>
+                        <p:par>
+                          <p:cTn id="8" fill="hold">
+                            <p:stCondLst>
+                              <p:cond delay="0"/>
+                            </p:stCondLst>
+                            <p:childTnLst>
+                              <p:par>
+                                <p:cTn id="9" presetID="1" presetClass="entr" presetSubtype="0" fill="hold" nodeType="clickEffect">
+                                  <p:stCondLst>
+                                    <p:cond delay="0"/>
+                                  </p:stCondLst>
+                                  <p:childTnLst>
+                                    <p:set>
+                                      <p:cBhvr>
+                                        <p:cTn id="10" dur="1" fill="hold">
+                                          <p:stCondLst>
+                                            <p:cond delay="0"/>
+                                          </p:stCondLst>
+                                        </p:cTn>
+                                        <p:tgtEl>
+                                          <p:spTgt spid="5">
+                                            <p:txEl>
+                                              <p:pRg st="2" end="2"/>
+                                            </p:txEl>
+                                          </p:spTgt>
+                                        </p:tgtEl>
+                                        <p:attrNameLst>
+                                          <p:attrName>style.visibility</p:attrName>
+                                        </p:attrNameLst>
+                                      </p:cBhvr>
+                                      <p:to>
+                                        <p:strVal val="visible"/>
+                                      </p:to>
+                                    </p:set>
+                                  </p:childTnLst>
+                                </p:cTn>
+                              </p:par>
+                            </p:childTnLst>
+                          </p:cTn>
+                        </p:par>
+                      </p:childTnLst>
+                    </p:cTn>
+                  </p:par>
+                </p:childTnLst>
+              </p:cTn>
+              <p:prevCondLst>
+                <p:cond evt="onPrev" delay="0">
+                  <p:tgtEl>
+                    <p:sldTgt/>
+                  </p:tgtEl>
+                </p:cond>
+              </p:prevCondLst>
+              <p:nextCondLst>
+                <p:cond evt="onNext" delay="0">
+                  <p:tgtEl>
+                    <p:sldTgt/>
+                  </p:tgtEl>
+                </p:cond>
+              </p:nextCondLst>
+            </p:seq>
+          </p:childTnLst>
+        </p:cTn>
+      </p:par>
+    </p:tnLst>
+  </p:timing>
 </p:sld>
 </file>
 
 <file path=ppt/slides/slide20.xml><?xml version="1.0" encoding="utf-8"?>
+<p:sld xmlns:a="http://schemas.openxmlformats.org/drawingml/2006/main" xmlns:r="http://schemas.openxmlformats.org/officeDocument/2006/relationships" xmlns:p="http://schemas.openxmlformats.org/presentationml/2006/main">
+  <p:cSld>
+    <p:bg>
+      <p:bgPr>
+        <a:solidFill>
+          <a:schemeClr val="bg1"/>
+        </a:solidFill>
+        <a:effectLst/>
+      </p:bgPr>
+    </p:bg>
+    <p:spTree>
+      <p:nvGrpSpPr>
+        <p:cNvPr id="1" name=""/>
+        <p:cNvGrpSpPr/>
+        <p:nvPr/>
+      </p:nvGrpSpPr>
+      <p:grpSpPr>
+        <a:xfrm>
+          <a:off x="0" y="0"/>
+          <a:ext cx="0" cy="0"/>
+          <a:chOff x="0" y="0"/>
+          <a:chExt cx="0" cy="0"/>
+        </a:xfrm>
+      </p:grpSpPr>
+      <p:sp>
+        <p:nvSpPr>
+          <p:cNvPr id="8" name="Rectangle 7">
+            <a:extLst>
+              <a:ext uri="{FF2B5EF4-FFF2-40B4-BE49-F238E27FC236}">
+                <a16:creationId xmlns:a16="http://schemas.microsoft.com/office/drawing/2014/main" id="{E5093ECC-8BEB-4546-A80D-0B48876623DE}"/>
+              </a:ext>
+              <a:ext uri="{C183D7F6-B498-43B3-948B-1728B52AA6E4}">
+                <adec:decorative xmlns:adec="http://schemas.microsoft.com/office/drawing/2017/decorative" val="1"/>
+              </a:ext>
+            </a:extLst>
+          </p:cNvPr>
+          <p:cNvSpPr>
+            <a:spLocks noGrp="1" noRot="1" noChangeAspect="1" noMove="1" noResize="1" noEditPoints="1" noAdjustHandles="1" noChangeArrowheads="1" noChangeShapeType="1" noTextEdit="1"/>
+          </p:cNvSpPr>
+          <p:nvPr>
+            <p:extLst>
+              <p:ext uri="{386F3935-93C4-4BCD-93E2-E3B085C9AB24}">
+                <p16:designElem xmlns:p16="http://schemas.microsoft.com/office/powerpoint/2015/main" val="1"/>
+              </p:ext>
+            </p:extLst>
+          </p:nvPr>
+        </p:nvSpPr>
+        <p:spPr>
+          <a:xfrm>
+            <a:off x="0" y="0"/>
+            <a:ext cx="12192000" cy="6858000"/>
+          </a:xfrm>
+          <a:prstGeom prst="rect">
+            <a:avLst/>
+          </a:prstGeom>
+          <a:solidFill>
+            <a:schemeClr val="tx1"/>
+          </a:solidFill>
+          <a:ln w="12700" cap="flat" cmpd="sng" algn="ctr">
+            <a:noFill/>
+            <a:prstDash val="solid"/>
+            <a:miter lim="800000"/>
+          </a:ln>
+          <a:effectLst/>
+        </p:spPr>
+        <p:style>
+          <a:lnRef idx="2">
+            <a:schemeClr val="accent1">
+              <a:shade val="50000"/>
+            </a:schemeClr>
+          </a:lnRef>
+          <a:fillRef idx="1">
+            <a:schemeClr val="accent1"/>
+          </a:fillRef>
+          <a:effectRef idx="0">
+            <a:schemeClr val="accent1"/>
+          </a:effectRef>
+          <a:fontRef idx="minor">
+            <a:schemeClr val="lt1"/>
+          </a:fontRef>
+        </p:style>
+        <p:txBody>
+          <a:bodyPr rtlCol="0" anchor="ctr"/>
+          <a:lstStyle/>
+          <a:p>
+            <a:pPr algn="ctr"/>
+            <a:endParaRPr lang="en-US"/>
+          </a:p>
+        </p:txBody>
+      </p:sp>
+      <p:pic>
+        <p:nvPicPr>
+          <p:cNvPr id="3" name="Picture 2" descr="Diagram&#10;&#10;Description automatically generated">
+            <a:extLst>
+              <a:ext uri="{FF2B5EF4-FFF2-40B4-BE49-F238E27FC236}">
+                <a16:creationId xmlns:a16="http://schemas.microsoft.com/office/drawing/2014/main" id="{FDFF3261-AADF-4CCE-98E4-BD5FF5879562}"/>
+              </a:ext>
+            </a:extLst>
+          </p:cNvPr>
+          <p:cNvPicPr>
+            <a:picLocks noChangeAspect="1"/>
+          </p:cNvPicPr>
+          <p:nvPr/>
+        </p:nvPicPr>
+        <p:blipFill rotWithShape="1">
+          <a:blip r:embed="rId2">
+            <a:extLst>
+              <a:ext uri="{28A0092B-C50C-407E-A947-70E740481C1C}">
+                <a14:useLocalDpi xmlns:a14="http://schemas.microsoft.com/office/drawing/2010/main" val="0"/>
+              </a:ext>
+            </a:extLst>
+          </a:blip>
+          <a:srcRect t="1092" b="2339"/>
+          <a:stretch/>
+        </p:blipFill>
+        <p:spPr>
+          <a:xfrm>
+            <a:off x="684575" y="685800"/>
+            <a:ext cx="10821625" cy="5486400"/>
+          </a:xfrm>
+          <a:prstGeom prst="rect">
+            <a:avLst/>
+          </a:prstGeom>
+        </p:spPr>
+      </p:pic>
+    </p:spTree>
+    <p:extLst>
+      <p:ext uri="{BB962C8B-B14F-4D97-AF65-F5344CB8AC3E}">
+        <p14:creationId xmlns:p14="http://schemas.microsoft.com/office/powerpoint/2010/main" val="765711206"/>
+      </p:ext>
+    </p:extLst>
+  </p:cSld>
+  <p:clrMapOvr>
+    <a:masterClrMapping/>
+  </p:clrMapOvr>
+</p:sld>
+</file>
+
+<file path=ppt/slides/slide21.xml><?xml version="1.0" encoding="utf-8"?>
+<p:sld xmlns:a="http://schemas.openxmlformats.org/drawingml/2006/main" xmlns:r="http://schemas.openxmlformats.org/officeDocument/2006/relationships" xmlns:p="http://schemas.openxmlformats.org/presentationml/2006/main">
+  <p:cSld>
+    <p:bg>
+      <p:bgPr>
+        <a:solidFill>
+          <a:schemeClr val="tx1"/>
+        </a:solidFill>
+        <a:effectLst/>
+      </p:bgPr>
+    </p:bg>
+    <p:spTree>
+      <p:nvGrpSpPr>
+        <p:cNvPr id="1" name=""/>
+        <p:cNvGrpSpPr/>
+        <p:nvPr/>
+      </p:nvGrpSpPr>
+      <p:grpSpPr>
+        <a:xfrm>
+          <a:off x="0" y="0"/>
+          <a:ext cx="0" cy="0"/>
+          <a:chOff x="0" y="0"/>
+          <a:chExt cx="0" cy="0"/>
+        </a:xfrm>
+      </p:grpSpPr>
+      <p:sp>
+        <p:nvSpPr>
+          <p:cNvPr id="2" name="Rectangle 1">
+            <a:extLst>
+              <a:ext uri="{FF2B5EF4-FFF2-40B4-BE49-F238E27FC236}">
+                <a16:creationId xmlns:a16="http://schemas.microsoft.com/office/drawing/2014/main" id="{664DB5DA-95A8-4104-B84B-DB250FD5F7BC}"/>
+              </a:ext>
+            </a:extLst>
+          </p:cNvPr>
+          <p:cNvSpPr/>
+          <p:nvPr/>
+        </p:nvSpPr>
+        <p:spPr>
+          <a:xfrm>
+            <a:off x="1824638" y="3105834"/>
+            <a:ext cx="8542723" cy="646331"/>
+          </a:xfrm>
+          <a:prstGeom prst="rect">
+            <a:avLst/>
+          </a:prstGeom>
+        </p:spPr>
+        <p:txBody>
+          <a:bodyPr wrap="none">
+            <a:spAutoFit/>
+          </a:bodyPr>
+          <a:lstStyle/>
+          <a:p>
+            <a:pPr algn="ctr"/>
+            <a:r>
+              <a:rPr lang="en-US" sz="3600" dirty="0">
+                <a:solidFill>
+                  <a:schemeClr val="bg1"/>
+                </a:solidFill>
+                <a:latin typeface="Consolas" panose="020B0609020204030204" pitchFamily="49" charset="0"/>
+              </a:rPr>
+              <a:t>Big ball of mud != Easy to change</a:t>
+            </a:r>
+            <a:endParaRPr lang="en-US" sz="3600" b="1" u="sng" dirty="0">
+              <a:solidFill>
+                <a:schemeClr val="bg1"/>
+              </a:solidFill>
+              <a:latin typeface="Consolas" panose="020B0609020204030204" pitchFamily="49" charset="0"/>
+            </a:endParaRPr>
+          </a:p>
+        </p:txBody>
+      </p:sp>
+    </p:spTree>
+    <p:extLst>
+      <p:ext uri="{BB962C8B-B14F-4D97-AF65-F5344CB8AC3E}">
+        <p14:creationId xmlns:p14="http://schemas.microsoft.com/office/powerpoint/2010/main" val="909348668"/>
+      </p:ext>
+    </p:extLst>
+  </p:cSld>
+  <p:clrMapOvr>
+    <a:masterClrMapping/>
+  </p:clrMapOvr>
+</p:sld>
+</file>
+
+<file path=ppt/slides/slide22.xml><?xml version="1.0" encoding="utf-8"?>
 <p:sld xmlns:a="http://schemas.openxmlformats.org/drawingml/2006/main" xmlns:r="http://schemas.openxmlformats.org/officeDocument/2006/relationships" xmlns:p="http://schemas.openxmlformats.org/presentationml/2006/main">
   <p:cSld>
     <p:bg>
@@ -8502,7 +9011,7 @@
 </p:sld>
 </file>
 
-<file path=ppt/slides/slide21.xml><?xml version="1.0" encoding="utf-8"?>
+<file path=ppt/slides/slide23.xml><?xml version="1.0" encoding="utf-8"?>
 <p:sld xmlns:a="http://schemas.openxmlformats.org/drawingml/2006/main" xmlns:r="http://schemas.openxmlformats.org/officeDocument/2006/relationships" xmlns:p="http://schemas.openxmlformats.org/presentationml/2006/main">
   <p:cSld>
     <p:bg>
@@ -8579,7 +9088,7 @@
 </p:sld>
 </file>
 
-<file path=ppt/slides/slide22.xml><?xml version="1.0" encoding="utf-8"?>
+<file path=ppt/slides/slide24.xml><?xml version="1.0" encoding="utf-8"?>
 <p:sld xmlns:a="http://schemas.openxmlformats.org/drawingml/2006/main" xmlns:r="http://schemas.openxmlformats.org/officeDocument/2006/relationships" xmlns:p="http://schemas.openxmlformats.org/presentationml/2006/main">
   <p:cSld>
     <p:bg>
@@ -8773,7 +9282,7 @@
 </p:sld>
 </file>
 
-<file path=ppt/slides/slide23.xml><?xml version="1.0" encoding="utf-8"?>
+<file path=ppt/slides/slide25.xml><?xml version="1.0" encoding="utf-8"?>
 <p:sld xmlns:a="http://schemas.openxmlformats.org/drawingml/2006/main" xmlns:r="http://schemas.openxmlformats.org/officeDocument/2006/relationships" xmlns:p="http://schemas.openxmlformats.org/presentationml/2006/main">
   <p:cSld>
     <p:bg>
@@ -9555,7 +10064,7 @@
 </p:sld>
 </file>
 
-<file path=ppt/slides/slide24.xml><?xml version="1.0" encoding="utf-8"?>
+<file path=ppt/slides/slide26.xml><?xml version="1.0" encoding="utf-8"?>
 <p:sld xmlns:a="http://schemas.openxmlformats.org/drawingml/2006/main" xmlns:r="http://schemas.openxmlformats.org/officeDocument/2006/relationships" xmlns:p="http://schemas.openxmlformats.org/presentationml/2006/main">
   <p:cSld>
     <p:bg>
@@ -10202,7 +10711,7 @@
 </p:sld>
 </file>
 
-<file path=ppt/slides/slide25.xml><?xml version="1.0" encoding="utf-8"?>
+<file path=ppt/slides/slide27.xml><?xml version="1.0" encoding="utf-8"?>
 <p:sld xmlns:a="http://schemas.openxmlformats.org/drawingml/2006/main" xmlns:r="http://schemas.openxmlformats.org/officeDocument/2006/relationships" xmlns:p="http://schemas.openxmlformats.org/presentationml/2006/main">
   <p:cSld>
     <p:bg>
@@ -10303,7 +10812,7 @@
 </p:sld>
 </file>
 
-<file path=ppt/slides/slide26.xml><?xml version="1.0" encoding="utf-8"?>
+<file path=ppt/slides/slide28.xml><?xml version="1.0" encoding="utf-8"?>
 <p:sld xmlns:a="http://schemas.openxmlformats.org/drawingml/2006/main" xmlns:r="http://schemas.openxmlformats.org/officeDocument/2006/relationships" xmlns:p="http://schemas.openxmlformats.org/presentationml/2006/main">
   <p:cSld>
     <p:bg>
@@ -10545,7 +11054,7 @@
 </p:sld>
 </file>
 
-<file path=ppt/slides/slide27.xml><?xml version="1.0" encoding="utf-8"?>
+<file path=ppt/slides/slide29.xml><?xml version="1.0" encoding="utf-8"?>
 <p:sld xmlns:a="http://schemas.openxmlformats.org/drawingml/2006/main" xmlns:r="http://schemas.openxmlformats.org/officeDocument/2006/relationships" xmlns:p="http://schemas.openxmlformats.org/presentationml/2006/main">
   <p:cSld>
     <p:bg>
@@ -10626,483 +11135,6 @@
     <p:extLst>
       <p:ext uri="{BB962C8B-B14F-4D97-AF65-F5344CB8AC3E}">
         <p14:creationId xmlns:p14="http://schemas.microsoft.com/office/powerpoint/2010/main" val="4005691581"/>
-      </p:ext>
-    </p:extLst>
-  </p:cSld>
-  <p:clrMapOvr>
-    <a:masterClrMapping/>
-  </p:clrMapOvr>
-</p:sld>
-</file>
-
-<file path=ppt/slides/slide28.xml><?xml version="1.0" encoding="utf-8"?>
-<p:sld xmlns:a="http://schemas.openxmlformats.org/drawingml/2006/main" xmlns:r="http://schemas.openxmlformats.org/officeDocument/2006/relationships" xmlns:p="http://schemas.openxmlformats.org/presentationml/2006/main">
-  <p:cSld>
-    <p:bg>
-      <p:bgPr>
-        <a:solidFill>
-          <a:schemeClr val="tx1"/>
-        </a:solidFill>
-        <a:effectLst/>
-      </p:bgPr>
-    </p:bg>
-    <p:spTree>
-      <p:nvGrpSpPr>
-        <p:cNvPr id="1" name=""/>
-        <p:cNvGrpSpPr/>
-        <p:nvPr/>
-      </p:nvGrpSpPr>
-      <p:grpSpPr>
-        <a:xfrm>
-          <a:off x="0" y="0"/>
-          <a:ext cx="0" cy="0"/>
-          <a:chOff x="0" y="0"/>
-          <a:chExt cx="0" cy="0"/>
-        </a:xfrm>
-      </p:grpSpPr>
-      <p:sp>
-        <p:nvSpPr>
-          <p:cNvPr id="4" name="TextBox 3">
-            <a:extLst>
-              <a:ext uri="{FF2B5EF4-FFF2-40B4-BE49-F238E27FC236}">
-                <a16:creationId xmlns:a16="http://schemas.microsoft.com/office/drawing/2014/main" id="{37B01F6B-F879-434D-8272-BFBA62E66768}"/>
-              </a:ext>
-            </a:extLst>
-          </p:cNvPr>
-          <p:cNvSpPr txBox="1"/>
-          <p:nvPr/>
-        </p:nvSpPr>
-        <p:spPr>
-          <a:xfrm>
-            <a:off x="616006" y="627795"/>
-            <a:ext cx="7432534" cy="4524315"/>
-          </a:xfrm>
-          <a:prstGeom prst="rect">
-            <a:avLst/>
-          </a:prstGeom>
-          <a:noFill/>
-        </p:spPr>
-        <p:txBody>
-          <a:bodyPr wrap="square" rtlCol="0">
-            <a:spAutoFit/>
-          </a:bodyPr>
-          <a:lstStyle/>
-          <a:p>
-            <a:r>
-              <a:rPr lang="en-US" sz="7200" dirty="0">
-                <a:solidFill>
-                  <a:schemeClr val="bg1"/>
-                </a:solidFill>
-                <a:latin typeface="Consolas" panose="020B0609020204030204" pitchFamily="49" charset="0"/>
-              </a:rPr>
-              <a:t>K</a:t>
-            </a:r>
-            <a:r>
-              <a:rPr lang="en-US" sz="4800" dirty="0">
-                <a:solidFill>
-                  <a:schemeClr val="bg1"/>
-                </a:solidFill>
-                <a:latin typeface="Consolas" panose="020B0609020204030204" pitchFamily="49" charset="0"/>
-              </a:rPr>
-              <a:t>eep</a:t>
-            </a:r>
-          </a:p>
-          <a:p>
-            <a:r>
-              <a:rPr lang="en-US" sz="7200" dirty="0">
-                <a:solidFill>
-                  <a:schemeClr val="bg1"/>
-                </a:solidFill>
-                <a:latin typeface="Consolas" panose="020B0609020204030204" pitchFamily="49" charset="0"/>
-              </a:rPr>
-              <a:t>I</a:t>
-            </a:r>
-            <a:r>
-              <a:rPr lang="en-US" sz="4800" dirty="0">
-                <a:solidFill>
-                  <a:schemeClr val="bg1"/>
-                </a:solidFill>
-                <a:latin typeface="Consolas" panose="020B0609020204030204" pitchFamily="49" charset="0"/>
-              </a:rPr>
-              <a:t>t</a:t>
-            </a:r>
-          </a:p>
-          <a:p>
-            <a:r>
-              <a:rPr lang="en-US" sz="7200" dirty="0">
-                <a:solidFill>
-                  <a:schemeClr val="bg1"/>
-                </a:solidFill>
-                <a:latin typeface="Consolas" panose="020B0609020204030204" pitchFamily="49" charset="0"/>
-              </a:rPr>
-              <a:t>S</a:t>
-            </a:r>
-            <a:r>
-              <a:rPr lang="en-US" sz="4800" dirty="0">
-                <a:solidFill>
-                  <a:schemeClr val="bg1"/>
-                </a:solidFill>
-                <a:latin typeface="Consolas" panose="020B0609020204030204" pitchFamily="49" charset="0"/>
-              </a:rPr>
-              <a:t>imple</a:t>
-            </a:r>
-          </a:p>
-          <a:p>
-            <a:r>
-              <a:rPr lang="en-US" sz="7200" dirty="0">
-                <a:solidFill>
-                  <a:schemeClr val="bg1"/>
-                </a:solidFill>
-                <a:latin typeface="Consolas" panose="020B0609020204030204" pitchFamily="49" charset="0"/>
-              </a:rPr>
-              <a:t>S</a:t>
-            </a:r>
-            <a:r>
-              <a:rPr lang="en-US" sz="4800" dirty="0">
-                <a:solidFill>
-                  <a:schemeClr val="bg1"/>
-                </a:solidFill>
-                <a:latin typeface="Consolas" panose="020B0609020204030204" pitchFamily="49" charset="0"/>
-              </a:rPr>
-              <a:t>tupid</a:t>
-            </a:r>
-          </a:p>
-        </p:txBody>
-      </p:sp>
-      <p:sp>
-        <p:nvSpPr>
-          <p:cNvPr id="2" name="Rectangle 1">
-            <a:extLst>
-              <a:ext uri="{FF2B5EF4-FFF2-40B4-BE49-F238E27FC236}">
-                <a16:creationId xmlns:a16="http://schemas.microsoft.com/office/drawing/2014/main" id="{3EC02E23-2901-4F91-8125-7FF754C8F760}"/>
-              </a:ext>
-            </a:extLst>
-          </p:cNvPr>
-          <p:cNvSpPr/>
-          <p:nvPr/>
-        </p:nvSpPr>
-        <p:spPr>
-          <a:xfrm>
-            <a:off x="5545145" y="6179637"/>
-            <a:ext cx="6016519" cy="461665"/>
-          </a:xfrm>
-          <a:prstGeom prst="rect">
-            <a:avLst/>
-          </a:prstGeom>
-        </p:spPr>
-        <p:txBody>
-          <a:bodyPr wrap="none">
-            <a:spAutoFit/>
-          </a:bodyPr>
-          <a:lstStyle/>
-          <a:p>
-            <a:r>
-              <a:rPr lang="en-US" sz="2400" b="0" i="0" dirty="0">
-                <a:solidFill>
-                  <a:schemeClr val="bg2">
-                    <a:lumMod val="90000"/>
-                  </a:schemeClr>
-                </a:solidFill>
-                <a:effectLst/>
-                <a:latin typeface="+mj-lt"/>
-              </a:rPr>
-              <a:t>Design principle noted by the U.S. Navy in 1960</a:t>
-            </a:r>
-            <a:endParaRPr lang="en-US" sz="2400" dirty="0">
-              <a:solidFill>
-                <a:schemeClr val="bg2">
-                  <a:lumMod val="90000"/>
-                </a:schemeClr>
-              </a:solidFill>
-              <a:latin typeface="+mj-lt"/>
-            </a:endParaRPr>
-          </a:p>
-        </p:txBody>
-      </p:sp>
-      <p:pic>
-        <p:nvPicPr>
-          <p:cNvPr id="14" name="Picture 13">
-            <a:extLst>
-              <a:ext uri="{FF2B5EF4-FFF2-40B4-BE49-F238E27FC236}">
-                <a16:creationId xmlns:a16="http://schemas.microsoft.com/office/drawing/2014/main" id="{633A4929-688E-45E6-86AB-3A12D8962E3B}"/>
-              </a:ext>
-            </a:extLst>
-          </p:cNvPr>
-          <p:cNvPicPr>
-            <a:picLocks noChangeAspect="1"/>
-          </p:cNvPicPr>
-          <p:nvPr/>
-        </p:nvPicPr>
-        <p:blipFill>
-          <a:blip r:embed="rId2"/>
-          <a:stretch>
-            <a:fillRect/>
-          </a:stretch>
-        </p:blipFill>
-        <p:spPr>
-          <a:xfrm>
-            <a:off x="8048540" y="447530"/>
-            <a:ext cx="3513124" cy="4884843"/>
-          </a:xfrm>
-          <a:prstGeom prst="rect">
-            <a:avLst/>
-          </a:prstGeom>
-        </p:spPr>
-      </p:pic>
-    </p:spTree>
-    <p:extLst>
-      <p:ext uri="{BB962C8B-B14F-4D97-AF65-F5344CB8AC3E}">
-        <p14:creationId xmlns:p14="http://schemas.microsoft.com/office/powerpoint/2010/main" val="1461953033"/>
-      </p:ext>
-    </p:extLst>
-  </p:cSld>
-  <p:clrMapOvr>
-    <a:masterClrMapping/>
-  </p:clrMapOvr>
-</p:sld>
-</file>
-
-<file path=ppt/slides/slide29.xml><?xml version="1.0" encoding="utf-8"?>
-<p:sld xmlns:a="http://schemas.openxmlformats.org/drawingml/2006/main" xmlns:r="http://schemas.openxmlformats.org/officeDocument/2006/relationships" xmlns:p="http://schemas.openxmlformats.org/presentationml/2006/main">
-  <p:cSld>
-    <p:bg>
-      <p:bgPr>
-        <a:solidFill>
-          <a:schemeClr val="tx1"/>
-        </a:solidFill>
-        <a:effectLst/>
-      </p:bgPr>
-    </p:bg>
-    <p:spTree>
-      <p:nvGrpSpPr>
-        <p:cNvPr id="1" name=""/>
-        <p:cNvGrpSpPr/>
-        <p:nvPr/>
-      </p:nvGrpSpPr>
-      <p:grpSpPr>
-        <a:xfrm>
-          <a:off x="0" y="0"/>
-          <a:ext cx="0" cy="0"/>
-          <a:chOff x="0" y="0"/>
-          <a:chExt cx="0" cy="0"/>
-        </a:xfrm>
-      </p:grpSpPr>
-      <p:sp>
-        <p:nvSpPr>
-          <p:cNvPr id="4" name="TextBox 3">
-            <a:extLst>
-              <a:ext uri="{FF2B5EF4-FFF2-40B4-BE49-F238E27FC236}">
-                <a16:creationId xmlns:a16="http://schemas.microsoft.com/office/drawing/2014/main" id="{37B01F6B-F879-434D-8272-BFBA62E66768}"/>
-              </a:ext>
-            </a:extLst>
-          </p:cNvPr>
-          <p:cNvSpPr txBox="1"/>
-          <p:nvPr/>
-        </p:nvSpPr>
-        <p:spPr>
-          <a:xfrm>
-            <a:off x="609961" y="704298"/>
-            <a:ext cx="7432534" cy="5632311"/>
-          </a:xfrm>
-          <a:prstGeom prst="rect">
-            <a:avLst/>
-          </a:prstGeom>
-          <a:noFill/>
-        </p:spPr>
-        <p:txBody>
-          <a:bodyPr wrap="square" rtlCol="0">
-            <a:spAutoFit/>
-          </a:bodyPr>
-          <a:lstStyle/>
-          <a:p>
-            <a:r>
-              <a:rPr lang="en-US" sz="7200" dirty="0">
-                <a:solidFill>
-                  <a:schemeClr val="bg1"/>
-                </a:solidFill>
-                <a:latin typeface="Consolas" panose="020B0609020204030204" pitchFamily="49" charset="0"/>
-              </a:rPr>
-              <a:t>Y</a:t>
-            </a:r>
-            <a:r>
-              <a:rPr lang="en-US" sz="4800" dirty="0">
-                <a:solidFill>
-                  <a:schemeClr val="bg1"/>
-                </a:solidFill>
-                <a:latin typeface="Consolas" panose="020B0609020204030204" pitchFamily="49" charset="0"/>
-              </a:rPr>
-              <a:t>ou</a:t>
-            </a:r>
-            <a:endParaRPr lang="en-US" sz="7200" dirty="0">
-              <a:solidFill>
-                <a:schemeClr val="bg1"/>
-              </a:solidFill>
-              <a:latin typeface="Consolas" panose="020B0609020204030204" pitchFamily="49" charset="0"/>
-            </a:endParaRPr>
-          </a:p>
-          <a:p>
-            <a:r>
-              <a:rPr lang="en-US" sz="7200" dirty="0">
-                <a:solidFill>
-                  <a:schemeClr val="bg1"/>
-                </a:solidFill>
-                <a:latin typeface="Consolas" panose="020B0609020204030204" pitchFamily="49" charset="0"/>
-              </a:rPr>
-              <a:t>A</a:t>
-            </a:r>
-            <a:r>
-              <a:rPr lang="en-US" sz="4800" dirty="0">
-                <a:solidFill>
-                  <a:schemeClr val="bg1"/>
-                </a:solidFill>
-                <a:latin typeface="Consolas" panose="020B0609020204030204" pitchFamily="49" charset="0"/>
-              </a:rPr>
-              <a:t>ren’t</a:t>
-            </a:r>
-          </a:p>
-          <a:p>
-            <a:r>
-              <a:rPr lang="en-US" sz="7200" dirty="0" err="1">
-                <a:solidFill>
-                  <a:schemeClr val="bg1"/>
-                </a:solidFill>
-                <a:latin typeface="Consolas" panose="020B0609020204030204" pitchFamily="49" charset="0"/>
-              </a:rPr>
-              <a:t>G</a:t>
-            </a:r>
-            <a:r>
-              <a:rPr lang="en-US" sz="4800" dirty="0" err="1">
-                <a:solidFill>
-                  <a:schemeClr val="bg1"/>
-                </a:solidFill>
-                <a:latin typeface="Consolas" panose="020B0609020204030204" pitchFamily="49" charset="0"/>
-              </a:rPr>
-              <a:t>onna</a:t>
-            </a:r>
-            <a:endParaRPr lang="en-US" sz="4800" dirty="0">
-              <a:solidFill>
-                <a:schemeClr val="bg1"/>
-              </a:solidFill>
-              <a:latin typeface="Consolas" panose="020B0609020204030204" pitchFamily="49" charset="0"/>
-            </a:endParaRPr>
-          </a:p>
-          <a:p>
-            <a:r>
-              <a:rPr lang="en-US" sz="7200" dirty="0">
-                <a:solidFill>
-                  <a:schemeClr val="bg1"/>
-                </a:solidFill>
-                <a:latin typeface="Consolas" panose="020B0609020204030204" pitchFamily="49" charset="0"/>
-              </a:rPr>
-              <a:t>N</a:t>
-            </a:r>
-            <a:r>
-              <a:rPr lang="en-US" sz="4800" dirty="0">
-                <a:solidFill>
-                  <a:schemeClr val="bg1"/>
-                </a:solidFill>
-                <a:latin typeface="Consolas" panose="020B0609020204030204" pitchFamily="49" charset="0"/>
-              </a:rPr>
-              <a:t>eed</a:t>
-            </a:r>
-          </a:p>
-          <a:p>
-            <a:r>
-              <a:rPr lang="en-US" sz="7200" dirty="0">
-                <a:solidFill>
-                  <a:schemeClr val="bg1"/>
-                </a:solidFill>
-                <a:latin typeface="Consolas" panose="020B0609020204030204" pitchFamily="49" charset="0"/>
-              </a:rPr>
-              <a:t>I</a:t>
-            </a:r>
-            <a:r>
-              <a:rPr lang="en-US" sz="4800" dirty="0">
-                <a:solidFill>
-                  <a:schemeClr val="bg1"/>
-                </a:solidFill>
-                <a:latin typeface="Consolas" panose="020B0609020204030204" pitchFamily="49" charset="0"/>
-              </a:rPr>
-              <a:t>t</a:t>
-            </a:r>
-          </a:p>
-        </p:txBody>
-      </p:sp>
-      <p:sp>
-        <p:nvSpPr>
-          <p:cNvPr id="3" name="Rectangle 2">
-            <a:extLst>
-              <a:ext uri="{FF2B5EF4-FFF2-40B4-BE49-F238E27FC236}">
-                <a16:creationId xmlns:a16="http://schemas.microsoft.com/office/drawing/2014/main" id="{97C1A0A0-69CA-4E82-93F0-1F6F08280155}"/>
-              </a:ext>
-            </a:extLst>
-          </p:cNvPr>
-          <p:cNvSpPr/>
-          <p:nvPr/>
-        </p:nvSpPr>
-        <p:spPr>
-          <a:xfrm>
-            <a:off x="7488290" y="6187555"/>
-            <a:ext cx="4093749" cy="461665"/>
-          </a:xfrm>
-          <a:prstGeom prst="rect">
-            <a:avLst/>
-          </a:prstGeom>
-        </p:spPr>
-        <p:txBody>
-          <a:bodyPr wrap="none">
-            <a:spAutoFit/>
-          </a:bodyPr>
-          <a:lstStyle/>
-          <a:p>
-            <a:r>
-              <a:rPr lang="en-US" sz="2400" dirty="0">
-                <a:solidFill>
-                  <a:schemeClr val="bg2">
-                    <a:lumMod val="90000"/>
-                  </a:schemeClr>
-                </a:solidFill>
-                <a:latin typeface="+mj-lt"/>
-              </a:rPr>
-              <a:t>Extreme programming principle</a:t>
-            </a:r>
-          </a:p>
-        </p:txBody>
-      </p:sp>
-      <p:pic>
-        <p:nvPicPr>
-          <p:cNvPr id="2" name="Picture 1">
-            <a:extLst>
-              <a:ext uri="{FF2B5EF4-FFF2-40B4-BE49-F238E27FC236}">
-                <a16:creationId xmlns:a16="http://schemas.microsoft.com/office/drawing/2014/main" id="{B5FEE0AA-FBBF-43AB-B6BA-A382C8DF41D7}"/>
-              </a:ext>
-            </a:extLst>
-          </p:cNvPr>
-          <p:cNvPicPr>
-            <a:picLocks noChangeAspect="1"/>
-          </p:cNvPicPr>
-          <p:nvPr/>
-        </p:nvPicPr>
-        <p:blipFill>
-          <a:blip r:embed="rId2"/>
-          <a:stretch>
-            <a:fillRect/>
-          </a:stretch>
-        </p:blipFill>
-        <p:spPr>
-          <a:xfrm>
-            <a:off x="5486039" y="882492"/>
-            <a:ext cx="6096000" cy="5305063"/>
-          </a:xfrm>
-          <a:prstGeom prst="rect">
-            <a:avLst/>
-          </a:prstGeom>
-        </p:spPr>
-      </p:pic>
-    </p:spTree>
-    <p:extLst>
-      <p:ext uri="{BB962C8B-B14F-4D97-AF65-F5344CB8AC3E}">
-        <p14:creationId xmlns:p14="http://schemas.microsoft.com/office/powerpoint/2010/main" val="779428471"/>
       </p:ext>
     </p:extLst>
   </p:cSld>
@@ -11229,6 +11261,483 @@
         </p:nvSpPr>
         <p:spPr>
           <a:xfrm>
+            <a:off x="616006" y="627795"/>
+            <a:ext cx="7432534" cy="4524315"/>
+          </a:xfrm>
+          <a:prstGeom prst="rect">
+            <a:avLst/>
+          </a:prstGeom>
+          <a:noFill/>
+        </p:spPr>
+        <p:txBody>
+          <a:bodyPr wrap="square" rtlCol="0">
+            <a:spAutoFit/>
+          </a:bodyPr>
+          <a:lstStyle/>
+          <a:p>
+            <a:r>
+              <a:rPr lang="en-US" sz="7200" dirty="0">
+                <a:solidFill>
+                  <a:schemeClr val="bg1"/>
+                </a:solidFill>
+                <a:latin typeface="Consolas" panose="020B0609020204030204" pitchFamily="49" charset="0"/>
+              </a:rPr>
+              <a:t>K</a:t>
+            </a:r>
+            <a:r>
+              <a:rPr lang="en-US" sz="4800" dirty="0">
+                <a:solidFill>
+                  <a:schemeClr val="bg1"/>
+                </a:solidFill>
+                <a:latin typeface="Consolas" panose="020B0609020204030204" pitchFamily="49" charset="0"/>
+              </a:rPr>
+              <a:t>eep</a:t>
+            </a:r>
+          </a:p>
+          <a:p>
+            <a:r>
+              <a:rPr lang="en-US" sz="7200" dirty="0">
+                <a:solidFill>
+                  <a:schemeClr val="bg1"/>
+                </a:solidFill>
+                <a:latin typeface="Consolas" panose="020B0609020204030204" pitchFamily="49" charset="0"/>
+              </a:rPr>
+              <a:t>I</a:t>
+            </a:r>
+            <a:r>
+              <a:rPr lang="en-US" sz="4800" dirty="0">
+                <a:solidFill>
+                  <a:schemeClr val="bg1"/>
+                </a:solidFill>
+                <a:latin typeface="Consolas" panose="020B0609020204030204" pitchFamily="49" charset="0"/>
+              </a:rPr>
+              <a:t>t</a:t>
+            </a:r>
+          </a:p>
+          <a:p>
+            <a:r>
+              <a:rPr lang="en-US" sz="7200" dirty="0">
+                <a:solidFill>
+                  <a:schemeClr val="bg1"/>
+                </a:solidFill>
+                <a:latin typeface="Consolas" panose="020B0609020204030204" pitchFamily="49" charset="0"/>
+              </a:rPr>
+              <a:t>S</a:t>
+            </a:r>
+            <a:r>
+              <a:rPr lang="en-US" sz="4800" dirty="0">
+                <a:solidFill>
+                  <a:schemeClr val="bg1"/>
+                </a:solidFill>
+                <a:latin typeface="Consolas" panose="020B0609020204030204" pitchFamily="49" charset="0"/>
+              </a:rPr>
+              <a:t>imple</a:t>
+            </a:r>
+          </a:p>
+          <a:p>
+            <a:r>
+              <a:rPr lang="en-US" sz="7200" dirty="0">
+                <a:solidFill>
+                  <a:schemeClr val="bg1"/>
+                </a:solidFill>
+                <a:latin typeface="Consolas" panose="020B0609020204030204" pitchFamily="49" charset="0"/>
+              </a:rPr>
+              <a:t>S</a:t>
+            </a:r>
+            <a:r>
+              <a:rPr lang="en-US" sz="4800" dirty="0">
+                <a:solidFill>
+                  <a:schemeClr val="bg1"/>
+                </a:solidFill>
+                <a:latin typeface="Consolas" panose="020B0609020204030204" pitchFamily="49" charset="0"/>
+              </a:rPr>
+              <a:t>tupid</a:t>
+            </a:r>
+          </a:p>
+        </p:txBody>
+      </p:sp>
+      <p:sp>
+        <p:nvSpPr>
+          <p:cNvPr id="2" name="Rectangle 1">
+            <a:extLst>
+              <a:ext uri="{FF2B5EF4-FFF2-40B4-BE49-F238E27FC236}">
+                <a16:creationId xmlns:a16="http://schemas.microsoft.com/office/drawing/2014/main" id="{3EC02E23-2901-4F91-8125-7FF754C8F760}"/>
+              </a:ext>
+            </a:extLst>
+          </p:cNvPr>
+          <p:cNvSpPr/>
+          <p:nvPr/>
+        </p:nvSpPr>
+        <p:spPr>
+          <a:xfrm>
+            <a:off x="5545145" y="6179637"/>
+            <a:ext cx="6016519" cy="461665"/>
+          </a:xfrm>
+          <a:prstGeom prst="rect">
+            <a:avLst/>
+          </a:prstGeom>
+        </p:spPr>
+        <p:txBody>
+          <a:bodyPr wrap="none">
+            <a:spAutoFit/>
+          </a:bodyPr>
+          <a:lstStyle/>
+          <a:p>
+            <a:r>
+              <a:rPr lang="en-US" sz="2400" b="0" i="0" dirty="0">
+                <a:solidFill>
+                  <a:schemeClr val="bg2">
+                    <a:lumMod val="90000"/>
+                  </a:schemeClr>
+                </a:solidFill>
+                <a:effectLst/>
+                <a:latin typeface="+mj-lt"/>
+              </a:rPr>
+              <a:t>Design principle noted by the U.S. Navy in 1960</a:t>
+            </a:r>
+            <a:endParaRPr lang="en-US" sz="2400" dirty="0">
+              <a:solidFill>
+                <a:schemeClr val="bg2">
+                  <a:lumMod val="90000"/>
+                </a:schemeClr>
+              </a:solidFill>
+              <a:latin typeface="+mj-lt"/>
+            </a:endParaRPr>
+          </a:p>
+        </p:txBody>
+      </p:sp>
+      <p:pic>
+        <p:nvPicPr>
+          <p:cNvPr id="14" name="Picture 13">
+            <a:extLst>
+              <a:ext uri="{FF2B5EF4-FFF2-40B4-BE49-F238E27FC236}">
+                <a16:creationId xmlns:a16="http://schemas.microsoft.com/office/drawing/2014/main" id="{633A4929-688E-45E6-86AB-3A12D8962E3B}"/>
+              </a:ext>
+            </a:extLst>
+          </p:cNvPr>
+          <p:cNvPicPr>
+            <a:picLocks noChangeAspect="1"/>
+          </p:cNvPicPr>
+          <p:nvPr/>
+        </p:nvPicPr>
+        <p:blipFill>
+          <a:blip r:embed="rId2"/>
+          <a:stretch>
+            <a:fillRect/>
+          </a:stretch>
+        </p:blipFill>
+        <p:spPr>
+          <a:xfrm>
+            <a:off x="8048540" y="447530"/>
+            <a:ext cx="3513124" cy="4884843"/>
+          </a:xfrm>
+          <a:prstGeom prst="rect">
+            <a:avLst/>
+          </a:prstGeom>
+        </p:spPr>
+      </p:pic>
+    </p:spTree>
+    <p:extLst>
+      <p:ext uri="{BB962C8B-B14F-4D97-AF65-F5344CB8AC3E}">
+        <p14:creationId xmlns:p14="http://schemas.microsoft.com/office/powerpoint/2010/main" val="1461953033"/>
+      </p:ext>
+    </p:extLst>
+  </p:cSld>
+  <p:clrMapOvr>
+    <a:masterClrMapping/>
+  </p:clrMapOvr>
+</p:sld>
+</file>
+
+<file path=ppt/slides/slide31.xml><?xml version="1.0" encoding="utf-8"?>
+<p:sld xmlns:a="http://schemas.openxmlformats.org/drawingml/2006/main" xmlns:r="http://schemas.openxmlformats.org/officeDocument/2006/relationships" xmlns:p="http://schemas.openxmlformats.org/presentationml/2006/main">
+  <p:cSld>
+    <p:bg>
+      <p:bgPr>
+        <a:solidFill>
+          <a:schemeClr val="tx1"/>
+        </a:solidFill>
+        <a:effectLst/>
+      </p:bgPr>
+    </p:bg>
+    <p:spTree>
+      <p:nvGrpSpPr>
+        <p:cNvPr id="1" name=""/>
+        <p:cNvGrpSpPr/>
+        <p:nvPr/>
+      </p:nvGrpSpPr>
+      <p:grpSpPr>
+        <a:xfrm>
+          <a:off x="0" y="0"/>
+          <a:ext cx="0" cy="0"/>
+          <a:chOff x="0" y="0"/>
+          <a:chExt cx="0" cy="0"/>
+        </a:xfrm>
+      </p:grpSpPr>
+      <p:sp>
+        <p:nvSpPr>
+          <p:cNvPr id="4" name="TextBox 3">
+            <a:extLst>
+              <a:ext uri="{FF2B5EF4-FFF2-40B4-BE49-F238E27FC236}">
+                <a16:creationId xmlns:a16="http://schemas.microsoft.com/office/drawing/2014/main" id="{37B01F6B-F879-434D-8272-BFBA62E66768}"/>
+              </a:ext>
+            </a:extLst>
+          </p:cNvPr>
+          <p:cNvSpPr txBox="1"/>
+          <p:nvPr/>
+        </p:nvSpPr>
+        <p:spPr>
+          <a:xfrm>
+            <a:off x="609961" y="704298"/>
+            <a:ext cx="7432534" cy="5632311"/>
+          </a:xfrm>
+          <a:prstGeom prst="rect">
+            <a:avLst/>
+          </a:prstGeom>
+          <a:noFill/>
+        </p:spPr>
+        <p:txBody>
+          <a:bodyPr wrap="square" rtlCol="0">
+            <a:spAutoFit/>
+          </a:bodyPr>
+          <a:lstStyle/>
+          <a:p>
+            <a:r>
+              <a:rPr lang="en-US" sz="7200" dirty="0">
+                <a:solidFill>
+                  <a:schemeClr val="bg1"/>
+                </a:solidFill>
+                <a:latin typeface="Consolas" panose="020B0609020204030204" pitchFamily="49" charset="0"/>
+              </a:rPr>
+              <a:t>Y</a:t>
+            </a:r>
+            <a:r>
+              <a:rPr lang="en-US" sz="4800" dirty="0">
+                <a:solidFill>
+                  <a:schemeClr val="bg1"/>
+                </a:solidFill>
+                <a:latin typeface="Consolas" panose="020B0609020204030204" pitchFamily="49" charset="0"/>
+              </a:rPr>
+              <a:t>ou</a:t>
+            </a:r>
+            <a:endParaRPr lang="en-US" sz="7200" dirty="0">
+              <a:solidFill>
+                <a:schemeClr val="bg1"/>
+              </a:solidFill>
+              <a:latin typeface="Consolas" panose="020B0609020204030204" pitchFamily="49" charset="0"/>
+            </a:endParaRPr>
+          </a:p>
+          <a:p>
+            <a:r>
+              <a:rPr lang="en-US" sz="7200" dirty="0">
+                <a:solidFill>
+                  <a:schemeClr val="bg1"/>
+                </a:solidFill>
+                <a:latin typeface="Consolas" panose="020B0609020204030204" pitchFamily="49" charset="0"/>
+              </a:rPr>
+              <a:t>A</a:t>
+            </a:r>
+            <a:r>
+              <a:rPr lang="en-US" sz="4800" dirty="0">
+                <a:solidFill>
+                  <a:schemeClr val="bg1"/>
+                </a:solidFill>
+                <a:latin typeface="Consolas" panose="020B0609020204030204" pitchFamily="49" charset="0"/>
+              </a:rPr>
+              <a:t>ren’t</a:t>
+            </a:r>
+          </a:p>
+          <a:p>
+            <a:r>
+              <a:rPr lang="en-US" sz="7200" dirty="0" err="1">
+                <a:solidFill>
+                  <a:schemeClr val="bg1"/>
+                </a:solidFill>
+                <a:latin typeface="Consolas" panose="020B0609020204030204" pitchFamily="49" charset="0"/>
+              </a:rPr>
+              <a:t>G</a:t>
+            </a:r>
+            <a:r>
+              <a:rPr lang="en-US" sz="4800" dirty="0" err="1">
+                <a:solidFill>
+                  <a:schemeClr val="bg1"/>
+                </a:solidFill>
+                <a:latin typeface="Consolas" panose="020B0609020204030204" pitchFamily="49" charset="0"/>
+              </a:rPr>
+              <a:t>onna</a:t>
+            </a:r>
+            <a:endParaRPr lang="en-US" sz="4800" dirty="0">
+              <a:solidFill>
+                <a:schemeClr val="bg1"/>
+              </a:solidFill>
+              <a:latin typeface="Consolas" panose="020B0609020204030204" pitchFamily="49" charset="0"/>
+            </a:endParaRPr>
+          </a:p>
+          <a:p>
+            <a:r>
+              <a:rPr lang="en-US" sz="7200" dirty="0">
+                <a:solidFill>
+                  <a:schemeClr val="bg1"/>
+                </a:solidFill>
+                <a:latin typeface="Consolas" panose="020B0609020204030204" pitchFamily="49" charset="0"/>
+              </a:rPr>
+              <a:t>N</a:t>
+            </a:r>
+            <a:r>
+              <a:rPr lang="en-US" sz="4800" dirty="0">
+                <a:solidFill>
+                  <a:schemeClr val="bg1"/>
+                </a:solidFill>
+                <a:latin typeface="Consolas" panose="020B0609020204030204" pitchFamily="49" charset="0"/>
+              </a:rPr>
+              <a:t>eed</a:t>
+            </a:r>
+          </a:p>
+          <a:p>
+            <a:r>
+              <a:rPr lang="en-US" sz="7200" dirty="0">
+                <a:solidFill>
+                  <a:schemeClr val="bg1"/>
+                </a:solidFill>
+                <a:latin typeface="Consolas" panose="020B0609020204030204" pitchFamily="49" charset="0"/>
+              </a:rPr>
+              <a:t>I</a:t>
+            </a:r>
+            <a:r>
+              <a:rPr lang="en-US" sz="4800" dirty="0">
+                <a:solidFill>
+                  <a:schemeClr val="bg1"/>
+                </a:solidFill>
+                <a:latin typeface="Consolas" panose="020B0609020204030204" pitchFamily="49" charset="0"/>
+              </a:rPr>
+              <a:t>t</a:t>
+            </a:r>
+          </a:p>
+        </p:txBody>
+      </p:sp>
+      <p:sp>
+        <p:nvSpPr>
+          <p:cNvPr id="3" name="Rectangle 2">
+            <a:extLst>
+              <a:ext uri="{FF2B5EF4-FFF2-40B4-BE49-F238E27FC236}">
+                <a16:creationId xmlns:a16="http://schemas.microsoft.com/office/drawing/2014/main" id="{97C1A0A0-69CA-4E82-93F0-1F6F08280155}"/>
+              </a:ext>
+            </a:extLst>
+          </p:cNvPr>
+          <p:cNvSpPr/>
+          <p:nvPr/>
+        </p:nvSpPr>
+        <p:spPr>
+          <a:xfrm>
+            <a:off x="7488290" y="6187555"/>
+            <a:ext cx="4093749" cy="461665"/>
+          </a:xfrm>
+          <a:prstGeom prst="rect">
+            <a:avLst/>
+          </a:prstGeom>
+        </p:spPr>
+        <p:txBody>
+          <a:bodyPr wrap="none">
+            <a:spAutoFit/>
+          </a:bodyPr>
+          <a:lstStyle/>
+          <a:p>
+            <a:r>
+              <a:rPr lang="en-US" sz="2400" dirty="0">
+                <a:solidFill>
+                  <a:schemeClr val="bg2">
+                    <a:lumMod val="90000"/>
+                  </a:schemeClr>
+                </a:solidFill>
+                <a:latin typeface="+mj-lt"/>
+              </a:rPr>
+              <a:t>Extreme programming principle</a:t>
+            </a:r>
+          </a:p>
+        </p:txBody>
+      </p:sp>
+      <p:pic>
+        <p:nvPicPr>
+          <p:cNvPr id="2" name="Picture 1">
+            <a:extLst>
+              <a:ext uri="{FF2B5EF4-FFF2-40B4-BE49-F238E27FC236}">
+                <a16:creationId xmlns:a16="http://schemas.microsoft.com/office/drawing/2014/main" id="{B5FEE0AA-FBBF-43AB-B6BA-A382C8DF41D7}"/>
+              </a:ext>
+            </a:extLst>
+          </p:cNvPr>
+          <p:cNvPicPr>
+            <a:picLocks noChangeAspect="1"/>
+          </p:cNvPicPr>
+          <p:nvPr/>
+        </p:nvPicPr>
+        <p:blipFill>
+          <a:blip r:embed="rId2"/>
+          <a:stretch>
+            <a:fillRect/>
+          </a:stretch>
+        </p:blipFill>
+        <p:spPr>
+          <a:xfrm>
+            <a:off x="5486039" y="882492"/>
+            <a:ext cx="6096000" cy="5305063"/>
+          </a:xfrm>
+          <a:prstGeom prst="rect">
+            <a:avLst/>
+          </a:prstGeom>
+        </p:spPr>
+      </p:pic>
+    </p:spTree>
+    <p:extLst>
+      <p:ext uri="{BB962C8B-B14F-4D97-AF65-F5344CB8AC3E}">
+        <p14:creationId xmlns:p14="http://schemas.microsoft.com/office/powerpoint/2010/main" val="779428471"/>
+      </p:ext>
+    </p:extLst>
+  </p:cSld>
+  <p:clrMapOvr>
+    <a:masterClrMapping/>
+  </p:clrMapOvr>
+</p:sld>
+</file>
+
+<file path=ppt/slides/slide32.xml><?xml version="1.0" encoding="utf-8"?>
+<p:sld xmlns:a="http://schemas.openxmlformats.org/drawingml/2006/main" xmlns:r="http://schemas.openxmlformats.org/officeDocument/2006/relationships" xmlns:p="http://schemas.openxmlformats.org/presentationml/2006/main">
+  <p:cSld>
+    <p:bg>
+      <p:bgPr>
+        <a:solidFill>
+          <a:schemeClr val="tx1"/>
+        </a:solidFill>
+        <a:effectLst/>
+      </p:bgPr>
+    </p:bg>
+    <p:spTree>
+      <p:nvGrpSpPr>
+        <p:cNvPr id="1" name=""/>
+        <p:cNvGrpSpPr/>
+        <p:nvPr/>
+      </p:nvGrpSpPr>
+      <p:grpSpPr>
+        <a:xfrm>
+          <a:off x="0" y="0"/>
+          <a:ext cx="0" cy="0"/>
+          <a:chOff x="0" y="0"/>
+          <a:chExt cx="0" cy="0"/>
+        </a:xfrm>
+      </p:grpSpPr>
+      <p:sp>
+        <p:nvSpPr>
+          <p:cNvPr id="4" name="TextBox 3">
+            <a:extLst>
+              <a:ext uri="{FF2B5EF4-FFF2-40B4-BE49-F238E27FC236}">
+                <a16:creationId xmlns:a16="http://schemas.microsoft.com/office/drawing/2014/main" id="{37B01F6B-F879-434D-8272-BFBA62E66768}"/>
+              </a:ext>
+            </a:extLst>
+          </p:cNvPr>
+          <p:cNvSpPr txBox="1"/>
+          <p:nvPr/>
+        </p:nvSpPr>
+        <p:spPr>
+          <a:xfrm>
             <a:off x="433841" y="1524200"/>
             <a:ext cx="3090269" cy="3416320"/>
           </a:xfrm>
@@ -11353,7 +11862,7 @@
 </p:sld>
 </file>
 
-<file path=ppt/slides/slide31.xml><?xml version="1.0" encoding="utf-8"?>
+<file path=ppt/slides/slide33.xml><?xml version="1.0" encoding="utf-8"?>
 <p:sld xmlns:a="http://schemas.openxmlformats.org/drawingml/2006/main" xmlns:r="http://schemas.openxmlformats.org/officeDocument/2006/relationships" xmlns:p="http://schemas.openxmlformats.org/presentationml/2006/main">
   <p:cSld>
     <p:bg>
@@ -11431,7 +11940,7 @@
 </p:sld>
 </file>
 
-<file path=ppt/slides/slide32.xml><?xml version="1.0" encoding="utf-8"?>
+<file path=ppt/slides/slide34.xml><?xml version="1.0" encoding="utf-8"?>
 <p:sld xmlns:a="http://schemas.openxmlformats.org/drawingml/2006/main" xmlns:r="http://schemas.openxmlformats.org/officeDocument/2006/relationships" xmlns:p="http://schemas.openxmlformats.org/presentationml/2006/main">
   <p:cSld>
     <p:bg>
@@ -11638,162 +12147,6 @@
 </p:sld>
 </file>
 
-<file path=ppt/slides/slide33.xml><?xml version="1.0" encoding="utf-8"?>
-<p:sld xmlns:a="http://schemas.openxmlformats.org/drawingml/2006/main" xmlns:r="http://schemas.openxmlformats.org/officeDocument/2006/relationships" xmlns:p="http://schemas.openxmlformats.org/presentationml/2006/main">
-  <p:cSld>
-    <p:bg>
-      <p:bgPr>
-        <a:solidFill>
-          <a:schemeClr val="tx1"/>
-        </a:solidFill>
-        <a:effectLst/>
-      </p:bgPr>
-    </p:bg>
-    <p:spTree>
-      <p:nvGrpSpPr>
-        <p:cNvPr id="1" name=""/>
-        <p:cNvGrpSpPr/>
-        <p:nvPr/>
-      </p:nvGrpSpPr>
-      <p:grpSpPr>
-        <a:xfrm>
-          <a:off x="0" y="0"/>
-          <a:ext cx="0" cy="0"/>
-          <a:chOff x="0" y="0"/>
-          <a:chExt cx="0" cy="0"/>
-        </a:xfrm>
-      </p:grpSpPr>
-      <p:sp>
-        <p:nvSpPr>
-          <p:cNvPr id="2" name="Rectangle 1">
-            <a:extLst>
-              <a:ext uri="{FF2B5EF4-FFF2-40B4-BE49-F238E27FC236}">
-                <a16:creationId xmlns:a16="http://schemas.microsoft.com/office/drawing/2014/main" id="{1D6CC49B-D829-4B1C-8F3A-D68EB85A1641}"/>
-              </a:ext>
-            </a:extLst>
-          </p:cNvPr>
-          <p:cNvSpPr/>
-          <p:nvPr/>
-        </p:nvSpPr>
-        <p:spPr>
-          <a:xfrm>
-            <a:off x="0" y="2967335"/>
-            <a:ext cx="12192000" cy="830997"/>
-          </a:xfrm>
-          <a:prstGeom prst="rect">
-            <a:avLst/>
-          </a:prstGeom>
-        </p:spPr>
-        <p:txBody>
-          <a:bodyPr wrap="square">
-            <a:spAutoFit/>
-          </a:bodyPr>
-          <a:lstStyle/>
-          <a:p>
-            <a:pPr algn="ctr"/>
-            <a:r>
-              <a:rPr lang="en-US" sz="4800" dirty="0">
-                <a:solidFill>
-                  <a:schemeClr val="bg1"/>
-                </a:solidFill>
-                <a:latin typeface="Consolas" panose="020B0609020204030204" pitchFamily="49" charset="0"/>
-              </a:rPr>
-              <a:t>Single-responsibility Principle</a:t>
-            </a:r>
-          </a:p>
-        </p:txBody>
-      </p:sp>
-    </p:spTree>
-    <p:extLst>
-      <p:ext uri="{BB962C8B-B14F-4D97-AF65-F5344CB8AC3E}">
-        <p14:creationId xmlns:p14="http://schemas.microsoft.com/office/powerpoint/2010/main" val="239780943"/>
-      </p:ext>
-    </p:extLst>
-  </p:cSld>
-  <p:clrMapOvr>
-    <a:masterClrMapping/>
-  </p:clrMapOvr>
-</p:sld>
-</file>
-
-<file path=ppt/slides/slide34.xml><?xml version="1.0" encoding="utf-8"?>
-<p:sld xmlns:a="http://schemas.openxmlformats.org/drawingml/2006/main" xmlns:r="http://schemas.openxmlformats.org/officeDocument/2006/relationships" xmlns:p="http://schemas.openxmlformats.org/presentationml/2006/main">
-  <p:cSld>
-    <p:bg>
-      <p:bgPr>
-        <a:solidFill>
-          <a:schemeClr val="tx1"/>
-        </a:solidFill>
-        <a:effectLst/>
-      </p:bgPr>
-    </p:bg>
-    <p:spTree>
-      <p:nvGrpSpPr>
-        <p:cNvPr id="1" name=""/>
-        <p:cNvGrpSpPr/>
-        <p:nvPr/>
-      </p:nvGrpSpPr>
-      <p:grpSpPr>
-        <a:xfrm>
-          <a:off x="0" y="0"/>
-          <a:ext cx="0" cy="0"/>
-          <a:chOff x="0" y="0"/>
-          <a:chExt cx="0" cy="0"/>
-        </a:xfrm>
-      </p:grpSpPr>
-      <p:sp>
-        <p:nvSpPr>
-          <p:cNvPr id="2" name="Rectangle 1">
-            <a:extLst>
-              <a:ext uri="{FF2B5EF4-FFF2-40B4-BE49-F238E27FC236}">
-                <a16:creationId xmlns:a16="http://schemas.microsoft.com/office/drawing/2014/main" id="{1D6CC49B-D829-4B1C-8F3A-D68EB85A1641}"/>
-              </a:ext>
-            </a:extLst>
-          </p:cNvPr>
-          <p:cNvSpPr/>
-          <p:nvPr/>
-        </p:nvSpPr>
-        <p:spPr>
-          <a:xfrm>
-            <a:off x="0" y="2967335"/>
-            <a:ext cx="12192000" cy="830997"/>
-          </a:xfrm>
-          <a:prstGeom prst="rect">
-            <a:avLst/>
-          </a:prstGeom>
-        </p:spPr>
-        <p:txBody>
-          <a:bodyPr wrap="square">
-            <a:spAutoFit/>
-          </a:bodyPr>
-          <a:lstStyle/>
-          <a:p>
-            <a:pPr algn="ctr"/>
-            <a:r>
-              <a:rPr lang="en-US" sz="4800" dirty="0">
-                <a:solidFill>
-                  <a:schemeClr val="bg1"/>
-                </a:solidFill>
-                <a:latin typeface="Consolas" panose="020B0609020204030204" pitchFamily="49" charset="0"/>
-              </a:rPr>
-              <a:t>Open-closed Principle</a:t>
-            </a:r>
-          </a:p>
-        </p:txBody>
-      </p:sp>
-    </p:spTree>
-    <p:extLst>
-      <p:ext uri="{BB962C8B-B14F-4D97-AF65-F5344CB8AC3E}">
-        <p14:creationId xmlns:p14="http://schemas.microsoft.com/office/powerpoint/2010/main" val="1157291020"/>
-      </p:ext>
-    </p:extLst>
-  </p:cSld>
-  <p:clrMapOvr>
-    <a:masterClrMapping/>
-  </p:clrMapOvr>
-</p:sld>
-</file>
-
 <file path=ppt/slides/slide35.xml><?xml version="1.0" encoding="utf-8"?>
 <p:sld xmlns:a="http://schemas.openxmlformats.org/drawingml/2006/main" xmlns:r="http://schemas.openxmlformats.org/officeDocument/2006/relationships" xmlns:p="http://schemas.openxmlformats.org/presentationml/2006/main">
   <p:cSld>
@@ -11848,22 +12201,13 @@
           <a:p>
             <a:pPr algn="ctr"/>
             <a:r>
-              <a:rPr lang="en-US" sz="4800" dirty="0" err="1">
+              <a:rPr lang="en-US" sz="4800" dirty="0">
                 <a:solidFill>
                   <a:schemeClr val="bg1"/>
                 </a:solidFill>
                 <a:latin typeface="Consolas" panose="020B0609020204030204" pitchFamily="49" charset="0"/>
               </a:rPr>
-              <a:t>Liskov</a:t>
-            </a:r>
-            <a:r>
-              <a:rPr lang="en-US" sz="4800" dirty="0">
-                <a:solidFill>
-                  <a:schemeClr val="bg1"/>
-                </a:solidFill>
-                <a:latin typeface="Consolas" panose="020B0609020204030204" pitchFamily="49" charset="0"/>
-              </a:rPr>
-              <a:t> substitution principle</a:t>
+              <a:t>Single-responsibility Principle</a:t>
             </a:r>
           </a:p>
         </p:txBody>
@@ -11871,7 +12215,7 @@
     </p:spTree>
     <p:extLst>
       <p:ext uri="{BB962C8B-B14F-4D97-AF65-F5344CB8AC3E}">
-        <p14:creationId xmlns:p14="http://schemas.microsoft.com/office/powerpoint/2010/main" val="3885581985"/>
+        <p14:creationId xmlns:p14="http://schemas.microsoft.com/office/powerpoint/2010/main" val="239780943"/>
       </p:ext>
     </p:extLst>
   </p:cSld>
@@ -11941,7 +12285,7 @@
                 </a:solidFill>
                 <a:latin typeface="Consolas" panose="020B0609020204030204" pitchFamily="49" charset="0"/>
               </a:rPr>
-              <a:t>Interface segregation principle</a:t>
+              <a:t>Open-closed Principle</a:t>
             </a:r>
           </a:p>
         </p:txBody>
@@ -11949,7 +12293,7 @@
     </p:spTree>
     <p:extLst>
       <p:ext uri="{BB962C8B-B14F-4D97-AF65-F5344CB8AC3E}">
-        <p14:creationId xmlns:p14="http://schemas.microsoft.com/office/powerpoint/2010/main" val="3459273163"/>
+        <p14:creationId xmlns:p14="http://schemas.microsoft.com/office/powerpoint/2010/main" val="1157291020"/>
       </p:ext>
     </p:extLst>
   </p:cSld>
@@ -12013,13 +12357,22 @@
           <a:p>
             <a:pPr algn="ctr"/>
             <a:r>
+              <a:rPr lang="en-US" sz="4800" dirty="0" err="1">
+                <a:solidFill>
+                  <a:schemeClr val="bg1"/>
+                </a:solidFill>
+                <a:latin typeface="Consolas" panose="020B0609020204030204" pitchFamily="49" charset="0"/>
+              </a:rPr>
+              <a:t>Liskov</a:t>
+            </a:r>
+            <a:r>
               <a:rPr lang="en-US" sz="4800" dirty="0">
                 <a:solidFill>
                   <a:schemeClr val="bg1"/>
                 </a:solidFill>
                 <a:latin typeface="Consolas" panose="020B0609020204030204" pitchFamily="49" charset="0"/>
               </a:rPr>
-              <a:t>Dependency Inversion principle</a:t>
+              <a:t> substitution principle</a:t>
             </a:r>
           </a:p>
         </p:txBody>
@@ -12027,7 +12380,7 @@
     </p:spTree>
     <p:extLst>
       <p:ext uri="{BB962C8B-B14F-4D97-AF65-F5344CB8AC3E}">
-        <p14:creationId xmlns:p14="http://schemas.microsoft.com/office/powerpoint/2010/main" val="2300972195"/>
+        <p14:creationId xmlns:p14="http://schemas.microsoft.com/office/powerpoint/2010/main" val="3885581985"/>
       </p:ext>
     </p:extLst>
   </p:cSld>
@@ -12064,40 +12417,40 @@
       </p:grpSpPr>
       <p:sp>
         <p:nvSpPr>
-          <p:cNvPr id="6" name="Title 1">
+          <p:cNvPr id="2" name="Rectangle 1">
             <a:extLst>
               <a:ext uri="{FF2B5EF4-FFF2-40B4-BE49-F238E27FC236}">
-                <a16:creationId xmlns:a16="http://schemas.microsoft.com/office/drawing/2014/main" id="{DE40334F-20B4-47A5-AFB2-5AAD2CDA159A}"/>
+                <a16:creationId xmlns:a16="http://schemas.microsoft.com/office/drawing/2014/main" id="{1D6CC49B-D829-4B1C-8F3A-D68EB85A1641}"/>
               </a:ext>
             </a:extLst>
           </p:cNvPr>
-          <p:cNvSpPr>
-            <a:spLocks noGrp="1"/>
-          </p:cNvSpPr>
-          <p:nvPr>
-            <p:ph type="ctrTitle"/>
-          </p:nvPr>
+          <p:cNvSpPr/>
+          <p:nvPr/>
         </p:nvSpPr>
         <p:spPr>
           <a:xfrm>
-            <a:off x="0" y="0"/>
-            <a:ext cx="12192000" cy="6858000"/>
+            <a:off x="0" y="2967335"/>
+            <a:ext cx="12192000" cy="830997"/>
           </a:xfrm>
+          <a:prstGeom prst="rect">
+            <a:avLst/>
+          </a:prstGeom>
         </p:spPr>
         <p:txBody>
-          <a:bodyPr anchor="ctr">
-            <a:normAutofit/>
+          <a:bodyPr wrap="square">
+            <a:spAutoFit/>
           </a:bodyPr>
           <a:lstStyle/>
           <a:p>
-            <a:r>
-              <a:rPr lang="en-US" sz="5400" dirty="0">
+            <a:pPr algn="ctr"/>
+            <a:r>
+              <a:rPr lang="en-US" sz="4800" dirty="0">
                 <a:solidFill>
                   <a:schemeClr val="bg1"/>
                 </a:solidFill>
                 <a:latin typeface="Consolas" panose="020B0609020204030204" pitchFamily="49" charset="0"/>
               </a:rPr>
-              <a:t>THANKS FOR LISTENING</a:t>
+              <a:t>Interface segregation principle</a:t>
             </a:r>
           </a:p>
         </p:txBody>
@@ -12105,7 +12458,85 @@
     </p:spTree>
     <p:extLst>
       <p:ext uri="{BB962C8B-B14F-4D97-AF65-F5344CB8AC3E}">
-        <p14:creationId xmlns:p14="http://schemas.microsoft.com/office/powerpoint/2010/main" val="2321493447"/>
+        <p14:creationId xmlns:p14="http://schemas.microsoft.com/office/powerpoint/2010/main" val="3459273163"/>
+      </p:ext>
+    </p:extLst>
+  </p:cSld>
+  <p:clrMapOvr>
+    <a:masterClrMapping/>
+  </p:clrMapOvr>
+</p:sld>
+</file>
+
+<file path=ppt/slides/slide39.xml><?xml version="1.0" encoding="utf-8"?>
+<p:sld xmlns:a="http://schemas.openxmlformats.org/drawingml/2006/main" xmlns:r="http://schemas.openxmlformats.org/officeDocument/2006/relationships" xmlns:p="http://schemas.openxmlformats.org/presentationml/2006/main">
+  <p:cSld>
+    <p:bg>
+      <p:bgPr>
+        <a:solidFill>
+          <a:schemeClr val="tx1"/>
+        </a:solidFill>
+        <a:effectLst/>
+      </p:bgPr>
+    </p:bg>
+    <p:spTree>
+      <p:nvGrpSpPr>
+        <p:cNvPr id="1" name=""/>
+        <p:cNvGrpSpPr/>
+        <p:nvPr/>
+      </p:nvGrpSpPr>
+      <p:grpSpPr>
+        <a:xfrm>
+          <a:off x="0" y="0"/>
+          <a:ext cx="0" cy="0"/>
+          <a:chOff x="0" y="0"/>
+          <a:chExt cx="0" cy="0"/>
+        </a:xfrm>
+      </p:grpSpPr>
+      <p:sp>
+        <p:nvSpPr>
+          <p:cNvPr id="2" name="Rectangle 1">
+            <a:extLst>
+              <a:ext uri="{FF2B5EF4-FFF2-40B4-BE49-F238E27FC236}">
+                <a16:creationId xmlns:a16="http://schemas.microsoft.com/office/drawing/2014/main" id="{1D6CC49B-D829-4B1C-8F3A-D68EB85A1641}"/>
+              </a:ext>
+            </a:extLst>
+          </p:cNvPr>
+          <p:cNvSpPr/>
+          <p:nvPr/>
+        </p:nvSpPr>
+        <p:spPr>
+          <a:xfrm>
+            <a:off x="0" y="2967335"/>
+            <a:ext cx="12192000" cy="830997"/>
+          </a:xfrm>
+          <a:prstGeom prst="rect">
+            <a:avLst/>
+          </a:prstGeom>
+        </p:spPr>
+        <p:txBody>
+          <a:bodyPr wrap="square">
+            <a:spAutoFit/>
+          </a:bodyPr>
+          <a:lstStyle/>
+          <a:p>
+            <a:pPr algn="ctr"/>
+            <a:r>
+              <a:rPr lang="en-US" sz="4800" dirty="0">
+                <a:solidFill>
+                  <a:schemeClr val="bg1"/>
+                </a:solidFill>
+                <a:latin typeface="Consolas" panose="020B0609020204030204" pitchFamily="49" charset="0"/>
+              </a:rPr>
+              <a:t>Dependency Inversion principle</a:t>
+            </a:r>
+          </a:p>
+        </p:txBody>
+      </p:sp>
+    </p:spTree>
+    <p:extLst>
+      <p:ext uri="{BB962C8B-B14F-4D97-AF65-F5344CB8AC3E}">
+        <p14:creationId xmlns:p14="http://schemas.microsoft.com/office/powerpoint/2010/main" val="2300972195"/>
       </p:ext>
     </p:extLst>
   </p:cSld>
@@ -12184,6 +12615,84 @@
     <p:extLst>
       <p:ext uri="{BB962C8B-B14F-4D97-AF65-F5344CB8AC3E}">
         <p14:creationId xmlns:p14="http://schemas.microsoft.com/office/powerpoint/2010/main" val="240218513"/>
+      </p:ext>
+    </p:extLst>
+  </p:cSld>
+  <p:clrMapOvr>
+    <a:masterClrMapping/>
+  </p:clrMapOvr>
+</p:sld>
+</file>
+
+<file path=ppt/slides/slide40.xml><?xml version="1.0" encoding="utf-8"?>
+<p:sld xmlns:a="http://schemas.openxmlformats.org/drawingml/2006/main" xmlns:r="http://schemas.openxmlformats.org/officeDocument/2006/relationships" xmlns:p="http://schemas.openxmlformats.org/presentationml/2006/main">
+  <p:cSld>
+    <p:bg>
+      <p:bgPr>
+        <a:solidFill>
+          <a:schemeClr val="tx1"/>
+        </a:solidFill>
+        <a:effectLst/>
+      </p:bgPr>
+    </p:bg>
+    <p:spTree>
+      <p:nvGrpSpPr>
+        <p:cNvPr id="1" name=""/>
+        <p:cNvGrpSpPr/>
+        <p:nvPr/>
+      </p:nvGrpSpPr>
+      <p:grpSpPr>
+        <a:xfrm>
+          <a:off x="0" y="0"/>
+          <a:ext cx="0" cy="0"/>
+          <a:chOff x="0" y="0"/>
+          <a:chExt cx="0" cy="0"/>
+        </a:xfrm>
+      </p:grpSpPr>
+      <p:sp>
+        <p:nvSpPr>
+          <p:cNvPr id="6" name="Title 1">
+            <a:extLst>
+              <a:ext uri="{FF2B5EF4-FFF2-40B4-BE49-F238E27FC236}">
+                <a16:creationId xmlns:a16="http://schemas.microsoft.com/office/drawing/2014/main" id="{DE40334F-20B4-47A5-AFB2-5AAD2CDA159A}"/>
+              </a:ext>
+            </a:extLst>
+          </p:cNvPr>
+          <p:cNvSpPr>
+            <a:spLocks noGrp="1"/>
+          </p:cNvSpPr>
+          <p:nvPr>
+            <p:ph type="ctrTitle"/>
+          </p:nvPr>
+        </p:nvSpPr>
+        <p:spPr>
+          <a:xfrm>
+            <a:off x="0" y="0"/>
+            <a:ext cx="12192000" cy="6858000"/>
+          </a:xfrm>
+        </p:spPr>
+        <p:txBody>
+          <a:bodyPr anchor="ctr">
+            <a:normAutofit/>
+          </a:bodyPr>
+          <a:lstStyle/>
+          <a:p>
+            <a:r>
+              <a:rPr lang="en-US" sz="5400" dirty="0">
+                <a:solidFill>
+                  <a:schemeClr val="bg1"/>
+                </a:solidFill>
+                <a:latin typeface="Consolas" panose="020B0609020204030204" pitchFamily="49" charset="0"/>
+              </a:rPr>
+              <a:t>THANKS FOR LISTENING</a:t>
+            </a:r>
+          </a:p>
+        </p:txBody>
+      </p:sp>
+    </p:spTree>
+    <p:extLst>
+      <p:ext uri="{BB962C8B-B14F-4D97-AF65-F5344CB8AC3E}">
+        <p14:creationId xmlns:p14="http://schemas.microsoft.com/office/powerpoint/2010/main" val="2321493447"/>
       </p:ext>
     </p:extLst>
   </p:cSld>
@@ -12695,6 +13204,130 @@
   <p:clrMapOvr>
     <a:masterClrMapping/>
   </p:clrMapOvr>
+  <p:timing>
+    <p:tnLst>
+      <p:par>
+        <p:cTn id="1" dur="indefinite" restart="never" nodeType="tmRoot">
+          <p:childTnLst>
+            <p:seq concurrent="1" nextAc="seek">
+              <p:cTn id="2" dur="indefinite" nodeType="mainSeq">
+                <p:childTnLst>
+                  <p:par>
+                    <p:cTn id="3" fill="hold">
+                      <p:stCondLst>
+                        <p:cond delay="indefinite"/>
+                      </p:stCondLst>
+                      <p:childTnLst>
+                        <p:par>
+                          <p:cTn id="4" fill="hold">
+                            <p:stCondLst>
+                              <p:cond delay="0"/>
+                            </p:stCondLst>
+                            <p:childTnLst>
+                              <p:par>
+                                <p:cTn id="5" presetID="1" presetClass="entr" presetSubtype="0" fill="hold" grpId="0" nodeType="clickEffect">
+                                  <p:stCondLst>
+                                    <p:cond delay="0"/>
+                                  </p:stCondLst>
+                                  <p:childTnLst>
+                                    <p:set>
+                                      <p:cBhvr>
+                                        <p:cTn id="6" dur="1" fill="hold">
+                                          <p:stCondLst>
+                                            <p:cond delay="0"/>
+                                          </p:stCondLst>
+                                        </p:cTn>
+                                        <p:tgtEl>
+                                          <p:spTgt spid="4"/>
+                                        </p:tgtEl>
+                                        <p:attrNameLst>
+                                          <p:attrName>style.visibility</p:attrName>
+                                        </p:attrNameLst>
+                                      </p:cBhvr>
+                                      <p:to>
+                                        <p:strVal val="visible"/>
+                                      </p:to>
+                                    </p:set>
+                                  </p:childTnLst>
+                                </p:cTn>
+                              </p:par>
+                            </p:childTnLst>
+                          </p:cTn>
+                        </p:par>
+                      </p:childTnLst>
+                    </p:cTn>
+                  </p:par>
+                  <p:par>
+                    <p:cTn id="7" fill="hold">
+                      <p:stCondLst>
+                        <p:cond delay="indefinite"/>
+                      </p:stCondLst>
+                      <p:childTnLst>
+                        <p:par>
+                          <p:cTn id="8" fill="hold">
+                            <p:stCondLst>
+                              <p:cond delay="0"/>
+                            </p:stCondLst>
+                            <p:childTnLst>
+                              <p:par>
+                                <p:cTn id="9" presetID="1" presetClass="entr" presetSubtype="0" fill="hold" grpId="0" nodeType="clickEffect">
+                                  <p:stCondLst>
+                                    <p:cond delay="0"/>
+                                  </p:stCondLst>
+                                  <p:childTnLst>
+                                    <p:set>
+                                      <p:cBhvr>
+                                        <p:cTn id="10" dur="1" fill="hold">
+                                          <p:stCondLst>
+                                            <p:cond delay="0"/>
+                                          </p:stCondLst>
+                                        </p:cTn>
+                                        <p:tgtEl>
+                                          <p:spTgt spid="5"/>
+                                        </p:tgtEl>
+                                        <p:attrNameLst>
+                                          <p:attrName>style.visibility</p:attrName>
+                                        </p:attrNameLst>
+                                      </p:cBhvr>
+                                      <p:to>
+                                        <p:strVal val="visible"/>
+                                      </p:to>
+                                    </p:set>
+                                  </p:childTnLst>
+                                </p:cTn>
+                              </p:par>
+                            </p:childTnLst>
+                          </p:cTn>
+                        </p:par>
+                      </p:childTnLst>
+                    </p:cTn>
+                  </p:par>
+                </p:childTnLst>
+              </p:cTn>
+              <p:prevCondLst>
+                <p:cond evt="onPrev" delay="0">
+                  <p:tgtEl>
+                    <p:sldTgt/>
+                  </p:tgtEl>
+                </p:cond>
+              </p:prevCondLst>
+              <p:nextCondLst>
+                <p:cond evt="onNext" delay="0">
+                  <p:tgtEl>
+                    <p:sldTgt/>
+                  </p:tgtEl>
+                </p:cond>
+              </p:nextCondLst>
+            </p:seq>
+          </p:childTnLst>
+        </p:cTn>
+      </p:par>
+    </p:tnLst>
+    <p:bldLst>
+      <p:bldP spid="4" grpId="0"/>
+      <p:bldP spid="5" grpId="0"/>
+    </p:bldLst>
+  </p:timing>
 </p:sld>
 </file>
 
